--- a/Saged - Powerpoint design files/SAGED_io.pptx
+++ b/Saged - Powerpoint design files/SAGED_io.pptx
@@ -18,6 +18,8 @@
     <p:sldId id="268" r:id="rId12"/>
     <p:sldId id="269" r:id="rId13"/>
     <p:sldId id="271" r:id="rId14"/>
+    <p:sldId id="272" r:id="rId15"/>
+    <p:sldId id="273" r:id="rId16"/>
   </p:sldIdLst>
   <p:sldSz cx="12192000" cy="6858000"/>
   <p:notesSz cx="6858000" cy="9144000"/>
@@ -4673,6 +4675,769 @@
 </p:sld>
 </file>
 
+<file path=ppt/slides/slide14.xml><?xml version="1.0" encoding="utf-8"?>
+<p:sld xmlns:a="http://schemas.openxmlformats.org/drawingml/2006/main" xmlns:r="http://schemas.openxmlformats.org/officeDocument/2006/relationships" xmlns:p="http://schemas.openxmlformats.org/presentationml/2006/main">
+  <p:cSld>
+    <p:bg>
+      <p:bgPr>
+        <a:solidFill>
+          <a:schemeClr val="tx1"/>
+        </a:solidFill>
+        <a:effectLst/>
+      </p:bgPr>
+    </p:bg>
+    <p:spTree>
+      <p:nvGrpSpPr>
+        <p:cNvPr id="1" name=""/>
+        <p:cNvGrpSpPr/>
+        <p:nvPr/>
+      </p:nvGrpSpPr>
+      <p:grpSpPr>
+        <a:xfrm>
+          <a:off x="0" y="0"/>
+          <a:ext cx="0" cy="0"/>
+          <a:chOff x="0" y="0"/>
+          <a:chExt cx="0" cy="0"/>
+        </a:xfrm>
+      </p:grpSpPr>
+      <p:sp>
+        <p:nvSpPr>
+          <p:cNvPr id="6" name="TextBox 5">
+            <a:extLst>
+              <a:ext uri="{FF2B5EF4-FFF2-40B4-BE49-F238E27FC236}">
+                <a16:creationId xmlns:a16="http://schemas.microsoft.com/office/drawing/2014/main" id="{EE4BFAFB-F296-9942-B015-EC3D7BAEF7AF}"/>
+              </a:ext>
+            </a:extLst>
+          </p:cNvPr>
+          <p:cNvSpPr txBox="1"/>
+          <p:nvPr/>
+        </p:nvSpPr>
+        <p:spPr>
+          <a:xfrm>
+            <a:off x="3159034" y="2133355"/>
+            <a:ext cx="5630067" cy="2400657"/>
+          </a:xfrm>
+          <a:prstGeom prst="rect">
+            <a:avLst/>
+          </a:prstGeom>
+          <a:noFill/>
+        </p:spPr>
+        <p:txBody>
+          <a:bodyPr wrap="none" rtlCol="0">
+            <a:spAutoFit/>
+            <a:scene3d>
+              <a:camera prst="orthographicFront"/>
+              <a:lightRig rig="threePt" dir="t"/>
+            </a:scene3d>
+            <a:sp3d extrusionH="57150">
+              <a:bevelT w="38100" h="38100" prst="angle"/>
+            </a:sp3d>
+          </a:bodyPr>
+          <a:lstStyle/>
+          <a:p>
+            <a:r>
+              <a:rPr lang="en-US" sz="15000" i="1" dirty="0">
+                <a:ln w="38100">
+                  <a:solidFill>
+                    <a:srgbClr val="FF0000">
+                      <a:alpha val="41000"/>
+                    </a:srgbClr>
+                  </a:solidFill>
+                </a:ln>
+                <a:noFill/>
+                <a:effectLst/>
+                <a:latin typeface="Bauhaus 93" pitchFamily="82" charset="77"/>
+              </a:rPr>
+              <a:t>SAGED</a:t>
+            </a:r>
+          </a:p>
+        </p:txBody>
+      </p:sp>
+      <p:sp>
+        <p:nvSpPr>
+          <p:cNvPr id="4" name="TextBox 3">
+            <a:extLst>
+              <a:ext uri="{FF2B5EF4-FFF2-40B4-BE49-F238E27FC236}">
+                <a16:creationId xmlns:a16="http://schemas.microsoft.com/office/drawing/2014/main" id="{ADFE2AF9-97FC-CD49-8154-480F1F42F0BA}"/>
+              </a:ext>
+            </a:extLst>
+          </p:cNvPr>
+          <p:cNvSpPr txBox="1"/>
+          <p:nvPr/>
+        </p:nvSpPr>
+        <p:spPr>
+          <a:xfrm>
+            <a:off x="3254050" y="2057263"/>
+            <a:ext cx="5630067" cy="2400657"/>
+          </a:xfrm>
+          <a:prstGeom prst="rect">
+            <a:avLst/>
+          </a:prstGeom>
+          <a:noFill/>
+        </p:spPr>
+        <p:txBody>
+          <a:bodyPr wrap="none" rtlCol="0">
+            <a:spAutoFit/>
+            <a:scene3d>
+              <a:camera prst="orthographicFront"/>
+              <a:lightRig rig="threePt" dir="t"/>
+            </a:scene3d>
+            <a:sp3d extrusionH="57150">
+              <a:bevelT w="38100" h="38100" prst="angle"/>
+            </a:sp3d>
+          </a:bodyPr>
+          <a:lstStyle/>
+          <a:p>
+            <a:r>
+              <a:rPr lang="en-US" sz="15000" i="1" dirty="0">
+                <a:ln w="25400">
+                  <a:gradFill>
+                    <a:gsLst>
+                      <a:gs pos="47000">
+                        <a:srgbClr val="C20000">
+                          <a:alpha val="48000"/>
+                        </a:srgbClr>
+                      </a:gs>
+                      <a:gs pos="1000">
+                        <a:srgbClr val="FF0000">
+                          <a:lumMod val="75000"/>
+                          <a:alpha val="81000"/>
+                        </a:srgbClr>
+                      </a:gs>
+                      <a:gs pos="76000">
+                        <a:schemeClr val="tx1"/>
+                      </a:gs>
+                    </a:gsLst>
+                    <a:lin ang="5400000" scaled="1"/>
+                  </a:gradFill>
+                </a:ln>
+                <a:gradFill>
+                  <a:gsLst>
+                    <a:gs pos="80000">
+                      <a:srgbClr val="852C00"/>
+                    </a:gs>
+                    <a:gs pos="71000">
+                      <a:srgbClr val="4D0000"/>
+                    </a:gs>
+                    <a:gs pos="52000">
+                      <a:schemeClr val="tx1"/>
+                    </a:gs>
+                    <a:gs pos="90000">
+                      <a:srgbClr val="FF7B00">
+                        <a:lumMod val="80000"/>
+                        <a:alpha val="42000"/>
+                      </a:srgbClr>
+                    </a:gs>
+                    <a:gs pos="99000">
+                      <a:srgbClr val="FFFF00">
+                        <a:lumMod val="86000"/>
+                        <a:lumOff val="14000"/>
+                        <a:alpha val="62000"/>
+                      </a:srgbClr>
+                    </a:gs>
+                  </a:gsLst>
+                  <a:lin ang="5400000" scaled="1"/>
+                </a:gradFill>
+                <a:effectLst/>
+                <a:latin typeface="Bauhaus 93" pitchFamily="82" charset="77"/>
+              </a:rPr>
+              <a:t>SAGED</a:t>
+            </a:r>
+          </a:p>
+        </p:txBody>
+      </p:sp>
+      <p:sp>
+        <p:nvSpPr>
+          <p:cNvPr id="7" name="TextBox 6">
+            <a:extLst>
+              <a:ext uri="{FF2B5EF4-FFF2-40B4-BE49-F238E27FC236}">
+                <a16:creationId xmlns:a16="http://schemas.microsoft.com/office/drawing/2014/main" id="{B269976D-3A11-2A41-AA4C-D260D3284568}"/>
+              </a:ext>
+            </a:extLst>
+          </p:cNvPr>
+          <p:cNvSpPr txBox="1"/>
+          <p:nvPr/>
+        </p:nvSpPr>
+        <p:spPr>
+          <a:xfrm>
+            <a:off x="3292581" y="1979931"/>
+            <a:ext cx="5816016" cy="2477601"/>
+          </a:xfrm>
+          <a:prstGeom prst="rect">
+            <a:avLst/>
+          </a:prstGeom>
+          <a:noFill/>
+        </p:spPr>
+        <p:txBody>
+          <a:bodyPr wrap="none" rtlCol="0">
+            <a:spAutoFit/>
+          </a:bodyPr>
+          <a:lstStyle/>
+          <a:p>
+            <a:r>
+              <a:rPr lang="en-US" sz="15300" i="1" dirty="0">
+                <a:ln w="50800" cap="flat" cmpd="dbl">
+                  <a:gradFill>
+                    <a:gsLst>
+                      <a:gs pos="60000">
+                        <a:srgbClr val="FA9396">
+                          <a:alpha val="40000"/>
+                        </a:srgbClr>
+                      </a:gs>
+                      <a:gs pos="42000">
+                        <a:schemeClr val="accent1">
+                          <a:lumMod val="5000"/>
+                          <a:lumOff val="95000"/>
+                          <a:alpha val="0"/>
+                        </a:schemeClr>
+                      </a:gs>
+                      <a:gs pos="50000">
+                        <a:schemeClr val="accent1">
+                          <a:lumMod val="5000"/>
+                          <a:lumOff val="95000"/>
+                          <a:alpha val="7000"/>
+                        </a:schemeClr>
+                      </a:gs>
+                      <a:gs pos="74000">
+                        <a:srgbClr val="FDCB48">
+                          <a:alpha val="32000"/>
+                        </a:srgbClr>
+                      </a:gs>
+                      <a:gs pos="84000">
+                        <a:srgbClr val="E2E20D"/>
+                      </a:gs>
+                    </a:gsLst>
+                    <a:lin ang="5400000" scaled="1"/>
+                  </a:gradFill>
+                  <a:miter lim="800000"/>
+                </a:ln>
+                <a:gradFill>
+                  <a:gsLst>
+                    <a:gs pos="50000">
+                      <a:schemeClr val="tx1">
+                        <a:alpha val="0"/>
+                      </a:schemeClr>
+                    </a:gs>
+                    <a:gs pos="74000">
+                      <a:srgbClr val="FF7305">
+                        <a:alpha val="30000"/>
+                      </a:srgbClr>
+                    </a:gs>
+                    <a:gs pos="59000">
+                      <a:srgbClr val="FF8500">
+                        <a:alpha val="8000"/>
+                      </a:srgbClr>
+                    </a:gs>
+                    <a:gs pos="86000">
+                      <a:srgbClr val="FF4F0F"/>
+                    </a:gs>
+                  </a:gsLst>
+                  <a:lin ang="5400000" scaled="1"/>
+                </a:gradFill>
+                <a:effectLst>
+                  <a:glow rad="1181100">
+                    <a:srgbClr val="F51610">
+                      <a:alpha val="2000"/>
+                    </a:srgbClr>
+                  </a:glow>
+                </a:effectLst>
+                <a:latin typeface="Bauhaus 93" pitchFamily="82" charset="77"/>
+              </a:rPr>
+              <a:t>SAGED</a:t>
+            </a:r>
+          </a:p>
+        </p:txBody>
+      </p:sp>
+    </p:spTree>
+    <p:extLst>
+      <p:ext uri="{BB962C8B-B14F-4D97-AF65-F5344CB8AC3E}">
+        <p14:creationId xmlns:p14="http://schemas.microsoft.com/office/powerpoint/2010/main" val="651601594"/>
+      </p:ext>
+    </p:extLst>
+  </p:cSld>
+  <p:clrMapOvr>
+    <a:masterClrMapping/>
+  </p:clrMapOvr>
+  <p:timing>
+    <p:tnLst>
+      <p:par>
+        <p:cTn id="1" dur="indefinite" restart="never" nodeType="tmRoot">
+          <p:childTnLst>
+            <p:seq concurrent="1" nextAc="seek">
+              <p:cTn id="2" dur="indefinite" nodeType="mainSeq">
+                <p:childTnLst>
+                  <p:par>
+                    <p:cTn id="3" fill="hold">
+                      <p:stCondLst>
+                        <p:cond delay="indefinite"/>
+                      </p:stCondLst>
+                      <p:childTnLst>
+                        <p:par>
+                          <p:cTn id="4" fill="hold">
+                            <p:stCondLst>
+                              <p:cond delay="0"/>
+                            </p:stCondLst>
+                            <p:childTnLst>
+                              <p:par>
+                                <p:cTn id="5" presetID="42" presetClass="path" presetSubtype="0" accel="50000" decel="50000" fill="hold" grpId="0" nodeType="clickEffect">
+                                  <p:stCondLst>
+                                    <p:cond delay="0"/>
+                                  </p:stCondLst>
+                                  <p:childTnLst>
+                                    <p:animMotion origin="layout" path="M -0.00039 -0.0007 L 0.02552 0.00069 " pathEditMode="relative" rAng="0" ptsTypes="AA">
+                                      <p:cBhvr>
+                                        <p:cTn id="6" dur="10000" fill="hold"/>
+                                        <p:tgtEl>
+                                          <p:spTgt spid="7"/>
+                                        </p:tgtEl>
+                                        <p:attrNameLst>
+                                          <p:attrName>ppt_x</p:attrName>
+                                          <p:attrName>ppt_y</p:attrName>
+                                        </p:attrNameLst>
+                                      </p:cBhvr>
+                                      <p:rCtr x="1289" y="69"/>
+                                    </p:animMotion>
+                                  </p:childTnLst>
+                                </p:cTn>
+                              </p:par>
+                            </p:childTnLst>
+                          </p:cTn>
+                        </p:par>
+                      </p:childTnLst>
+                    </p:cTn>
+                  </p:par>
+                </p:childTnLst>
+              </p:cTn>
+              <p:prevCondLst>
+                <p:cond evt="onPrev" delay="0">
+                  <p:tgtEl>
+                    <p:sldTgt/>
+                  </p:tgtEl>
+                </p:cond>
+              </p:prevCondLst>
+              <p:nextCondLst>
+                <p:cond evt="onNext" delay="0">
+                  <p:tgtEl>
+                    <p:sldTgt/>
+                  </p:tgtEl>
+                </p:cond>
+              </p:nextCondLst>
+            </p:seq>
+          </p:childTnLst>
+        </p:cTn>
+      </p:par>
+    </p:tnLst>
+    <p:bldLst>
+      <p:bldP spid="7" grpId="0"/>
+    </p:bldLst>
+  </p:timing>
+</p:sld>
+</file>
+
+<file path=ppt/slides/slide15.xml><?xml version="1.0" encoding="utf-8"?>
+<p:sld xmlns:a="http://schemas.openxmlformats.org/drawingml/2006/main" xmlns:r="http://schemas.openxmlformats.org/officeDocument/2006/relationships" xmlns:p="http://schemas.openxmlformats.org/presentationml/2006/main">
+  <p:cSld>
+    <p:bg>
+      <p:bgPr>
+        <a:solidFill>
+          <a:schemeClr val="tx1"/>
+        </a:solidFill>
+        <a:effectLst/>
+      </p:bgPr>
+    </p:bg>
+    <p:spTree>
+      <p:nvGrpSpPr>
+        <p:cNvPr id="1" name=""/>
+        <p:cNvGrpSpPr/>
+        <p:nvPr/>
+      </p:nvGrpSpPr>
+      <p:grpSpPr>
+        <a:xfrm>
+          <a:off x="0" y="0"/>
+          <a:ext cx="0" cy="0"/>
+          <a:chOff x="0" y="0"/>
+          <a:chExt cx="0" cy="0"/>
+        </a:xfrm>
+      </p:grpSpPr>
+      <p:sp>
+        <p:nvSpPr>
+          <p:cNvPr id="6" name="TextBox 5">
+            <a:extLst>
+              <a:ext uri="{FF2B5EF4-FFF2-40B4-BE49-F238E27FC236}">
+                <a16:creationId xmlns:a16="http://schemas.microsoft.com/office/drawing/2014/main" id="{EE4BFAFB-F296-9942-B015-EC3D7BAEF7AF}"/>
+              </a:ext>
+            </a:extLst>
+          </p:cNvPr>
+          <p:cNvSpPr txBox="1"/>
+          <p:nvPr/>
+        </p:nvSpPr>
+        <p:spPr>
+          <a:xfrm>
+            <a:off x="3159034" y="2133355"/>
+            <a:ext cx="5630067" cy="2400657"/>
+          </a:xfrm>
+          <a:prstGeom prst="rect">
+            <a:avLst/>
+          </a:prstGeom>
+          <a:noFill/>
+        </p:spPr>
+        <p:txBody>
+          <a:bodyPr wrap="none" rtlCol="0">
+            <a:spAutoFit/>
+            <a:scene3d>
+              <a:camera prst="orthographicFront"/>
+              <a:lightRig rig="threePt" dir="t"/>
+            </a:scene3d>
+            <a:sp3d extrusionH="57150">
+              <a:bevelT w="38100" h="38100" prst="angle"/>
+            </a:sp3d>
+          </a:bodyPr>
+          <a:lstStyle/>
+          <a:p>
+            <a:r>
+              <a:rPr lang="en-US" sz="15000" i="1" dirty="0">
+                <a:ln w="38100">
+                  <a:solidFill>
+                    <a:srgbClr val="FF0000">
+                      <a:alpha val="41000"/>
+                    </a:srgbClr>
+                  </a:solidFill>
+                </a:ln>
+                <a:noFill/>
+                <a:effectLst/>
+                <a:latin typeface="Bauhaus 93" pitchFamily="82" charset="77"/>
+              </a:rPr>
+              <a:t>SAGED</a:t>
+            </a:r>
+          </a:p>
+        </p:txBody>
+      </p:sp>
+      <p:sp>
+        <p:nvSpPr>
+          <p:cNvPr id="4" name="TextBox 3">
+            <a:extLst>
+              <a:ext uri="{FF2B5EF4-FFF2-40B4-BE49-F238E27FC236}">
+                <a16:creationId xmlns:a16="http://schemas.microsoft.com/office/drawing/2014/main" id="{ADFE2AF9-97FC-CD49-8154-480F1F42F0BA}"/>
+              </a:ext>
+            </a:extLst>
+          </p:cNvPr>
+          <p:cNvSpPr txBox="1"/>
+          <p:nvPr/>
+        </p:nvSpPr>
+        <p:spPr>
+          <a:xfrm>
+            <a:off x="3254050" y="2057263"/>
+            <a:ext cx="5630067" cy="2400657"/>
+          </a:xfrm>
+          <a:prstGeom prst="rect">
+            <a:avLst/>
+          </a:prstGeom>
+          <a:noFill/>
+        </p:spPr>
+        <p:txBody>
+          <a:bodyPr wrap="none" rtlCol="0">
+            <a:spAutoFit/>
+            <a:scene3d>
+              <a:camera prst="orthographicFront"/>
+              <a:lightRig rig="threePt" dir="t"/>
+            </a:scene3d>
+            <a:sp3d extrusionH="57150">
+              <a:bevelT w="38100" h="38100" prst="angle"/>
+            </a:sp3d>
+          </a:bodyPr>
+          <a:lstStyle/>
+          <a:p>
+            <a:r>
+              <a:rPr lang="en-US" sz="15000" i="1" dirty="0">
+                <a:ln w="25400">
+                  <a:gradFill>
+                    <a:gsLst>
+                      <a:gs pos="47000">
+                        <a:srgbClr val="C20000">
+                          <a:alpha val="48000"/>
+                        </a:srgbClr>
+                      </a:gs>
+                      <a:gs pos="1000">
+                        <a:srgbClr val="FF0000">
+                          <a:lumMod val="75000"/>
+                          <a:alpha val="81000"/>
+                        </a:srgbClr>
+                      </a:gs>
+                      <a:gs pos="76000">
+                        <a:schemeClr val="tx1"/>
+                      </a:gs>
+                    </a:gsLst>
+                    <a:lin ang="5400000" scaled="1"/>
+                  </a:gradFill>
+                </a:ln>
+                <a:gradFill>
+                  <a:gsLst>
+                    <a:gs pos="80000">
+                      <a:srgbClr val="852C00"/>
+                    </a:gs>
+                    <a:gs pos="71000">
+                      <a:srgbClr val="4D0000"/>
+                    </a:gs>
+                    <a:gs pos="52000">
+                      <a:schemeClr val="tx1"/>
+                    </a:gs>
+                    <a:gs pos="90000">
+                      <a:srgbClr val="FF7B00">
+                        <a:lumMod val="80000"/>
+                        <a:alpha val="42000"/>
+                      </a:srgbClr>
+                    </a:gs>
+                    <a:gs pos="99000">
+                      <a:srgbClr val="FFFF00">
+                        <a:lumMod val="86000"/>
+                        <a:lumOff val="14000"/>
+                        <a:alpha val="62000"/>
+                      </a:srgbClr>
+                    </a:gs>
+                  </a:gsLst>
+                  <a:lin ang="5400000" scaled="1"/>
+                </a:gradFill>
+                <a:effectLst/>
+                <a:latin typeface="Bauhaus 93" pitchFamily="82" charset="77"/>
+              </a:rPr>
+              <a:t>SAGED</a:t>
+            </a:r>
+          </a:p>
+        </p:txBody>
+      </p:sp>
+      <p:sp>
+        <p:nvSpPr>
+          <p:cNvPr id="7" name="TextBox 6">
+            <a:extLst>
+              <a:ext uri="{FF2B5EF4-FFF2-40B4-BE49-F238E27FC236}">
+                <a16:creationId xmlns:a16="http://schemas.microsoft.com/office/drawing/2014/main" id="{B269976D-3A11-2A41-AA4C-D260D3284568}"/>
+              </a:ext>
+            </a:extLst>
+          </p:cNvPr>
+          <p:cNvSpPr txBox="1"/>
+          <p:nvPr/>
+        </p:nvSpPr>
+        <p:spPr>
+          <a:xfrm>
+            <a:off x="3292581" y="1979931"/>
+            <a:ext cx="5816016" cy="2477601"/>
+          </a:xfrm>
+          <a:prstGeom prst="rect">
+            <a:avLst/>
+          </a:prstGeom>
+          <a:noFill/>
+        </p:spPr>
+        <p:txBody>
+          <a:bodyPr wrap="none" rtlCol="0">
+            <a:spAutoFit/>
+          </a:bodyPr>
+          <a:lstStyle/>
+          <a:p>
+            <a:r>
+              <a:rPr lang="en-US" sz="15300" i="1" dirty="0">
+                <a:ln w="50800" cap="flat" cmpd="dbl">
+                  <a:gradFill>
+                    <a:gsLst>
+                      <a:gs pos="60000">
+                        <a:srgbClr val="FA9396">
+                          <a:alpha val="40000"/>
+                        </a:srgbClr>
+                      </a:gs>
+                      <a:gs pos="42000">
+                        <a:schemeClr val="accent1">
+                          <a:lumMod val="5000"/>
+                          <a:lumOff val="95000"/>
+                          <a:alpha val="0"/>
+                        </a:schemeClr>
+                      </a:gs>
+                      <a:gs pos="50000">
+                        <a:schemeClr val="accent1">
+                          <a:lumMod val="5000"/>
+                          <a:lumOff val="95000"/>
+                          <a:alpha val="7000"/>
+                        </a:schemeClr>
+                      </a:gs>
+                      <a:gs pos="74000">
+                        <a:srgbClr val="FDCB48">
+                          <a:alpha val="32000"/>
+                        </a:srgbClr>
+                      </a:gs>
+                      <a:gs pos="84000">
+                        <a:srgbClr val="E2E20D"/>
+                      </a:gs>
+                    </a:gsLst>
+                    <a:lin ang="5400000" scaled="1"/>
+                  </a:gradFill>
+                  <a:miter lim="800000"/>
+                </a:ln>
+                <a:gradFill>
+                  <a:gsLst>
+                    <a:gs pos="50000">
+                      <a:schemeClr val="tx1">
+                        <a:alpha val="0"/>
+                      </a:schemeClr>
+                    </a:gs>
+                    <a:gs pos="74000">
+                      <a:srgbClr val="FF7305">
+                        <a:alpha val="30000"/>
+                      </a:srgbClr>
+                    </a:gs>
+                    <a:gs pos="59000">
+                      <a:srgbClr val="FF8500">
+                        <a:alpha val="8000"/>
+                      </a:srgbClr>
+                    </a:gs>
+                    <a:gs pos="86000">
+                      <a:srgbClr val="FF4F0F"/>
+                    </a:gs>
+                  </a:gsLst>
+                  <a:lin ang="5400000" scaled="1"/>
+                </a:gradFill>
+                <a:effectLst>
+                  <a:glow rad="1181100">
+                    <a:srgbClr val="F51610">
+                      <a:alpha val="2000"/>
+                    </a:srgbClr>
+                  </a:glow>
+                </a:effectLst>
+                <a:latin typeface="Bauhaus 93" pitchFamily="82" charset="77"/>
+              </a:rPr>
+              <a:t>SAGED</a:t>
+            </a:r>
+          </a:p>
+        </p:txBody>
+      </p:sp>
+      <p:sp>
+        <p:nvSpPr>
+          <p:cNvPr id="2" name="TextBox 1">
+            <a:extLst>
+              <a:ext uri="{FF2B5EF4-FFF2-40B4-BE49-F238E27FC236}">
+                <a16:creationId xmlns:a16="http://schemas.microsoft.com/office/drawing/2014/main" id="{6398A27E-8A86-EB42-9AEA-EBB982B47F83}"/>
+              </a:ext>
+            </a:extLst>
+          </p:cNvPr>
+          <p:cNvSpPr txBox="1"/>
+          <p:nvPr/>
+        </p:nvSpPr>
+        <p:spPr>
+          <a:xfrm>
+            <a:off x="4266346" y="4149755"/>
+            <a:ext cx="3605474" cy="307777"/>
+          </a:xfrm>
+          <a:prstGeom prst="rect">
+            <a:avLst/>
+          </a:prstGeom>
+          <a:noFill/>
+        </p:spPr>
+        <p:txBody>
+          <a:bodyPr wrap="none" rtlCol="0">
+            <a:spAutoFit/>
+          </a:bodyPr>
+          <a:lstStyle/>
+          <a:p>
+            <a:r>
+              <a:rPr lang="en-US" sz="1400" dirty="0">
+                <a:solidFill>
+                  <a:schemeClr val="tx1">
+                    <a:lumMod val="85000"/>
+                    <a:lumOff val="15000"/>
+                  </a:schemeClr>
+                </a:solidFill>
+                <a:latin typeface="Roboto" panose="02000000000000000000" pitchFamily="2" charset="0"/>
+                <a:ea typeface="Roboto" panose="02000000000000000000" pitchFamily="2" charset="0"/>
+                <a:cs typeface="Roboto" panose="02000000000000000000" pitchFamily="2" charset="0"/>
+              </a:rPr>
+              <a:t>OFFICIAL WEBSITE OF AYUSH BHOWMICK</a:t>
+            </a:r>
+          </a:p>
+        </p:txBody>
+      </p:sp>
+    </p:spTree>
+    <p:extLst>
+      <p:ext uri="{BB962C8B-B14F-4D97-AF65-F5344CB8AC3E}">
+        <p14:creationId xmlns:p14="http://schemas.microsoft.com/office/powerpoint/2010/main" val="69607245"/>
+      </p:ext>
+    </p:extLst>
+  </p:cSld>
+  <p:clrMapOvr>
+    <a:masterClrMapping/>
+  </p:clrMapOvr>
+  <p:timing>
+    <p:tnLst>
+      <p:par>
+        <p:cTn id="1" dur="indefinite" restart="never" nodeType="tmRoot">
+          <p:childTnLst>
+            <p:seq concurrent="1" nextAc="seek">
+              <p:cTn id="2" dur="indefinite" nodeType="mainSeq">
+                <p:childTnLst>
+                  <p:par>
+                    <p:cTn id="3" fill="hold">
+                      <p:stCondLst>
+                        <p:cond delay="indefinite"/>
+                      </p:stCondLst>
+                      <p:childTnLst>
+                        <p:par>
+                          <p:cTn id="4" fill="hold">
+                            <p:stCondLst>
+                              <p:cond delay="0"/>
+                            </p:stCondLst>
+                            <p:childTnLst>
+                              <p:par>
+                                <p:cTn id="5" presetID="42" presetClass="path" presetSubtype="0" accel="50000" decel="50000" fill="hold" grpId="0" nodeType="clickEffect">
+                                  <p:stCondLst>
+                                    <p:cond delay="0"/>
+                                  </p:stCondLst>
+                                  <p:childTnLst>
+                                    <p:animMotion origin="layout" path="M -0.00039 -0.0007 L 0.02552 0.00069 " pathEditMode="relative" rAng="0" ptsTypes="AA">
+                                      <p:cBhvr>
+                                        <p:cTn id="6" dur="10000" fill="hold"/>
+                                        <p:tgtEl>
+                                          <p:spTgt spid="7"/>
+                                        </p:tgtEl>
+                                        <p:attrNameLst>
+                                          <p:attrName>ppt_x</p:attrName>
+                                          <p:attrName>ppt_y</p:attrName>
+                                        </p:attrNameLst>
+                                      </p:cBhvr>
+                                      <p:rCtr x="1289" y="69"/>
+                                    </p:animMotion>
+                                  </p:childTnLst>
+                                </p:cTn>
+                              </p:par>
+                            </p:childTnLst>
+                          </p:cTn>
+                        </p:par>
+                      </p:childTnLst>
+                    </p:cTn>
+                  </p:par>
+                </p:childTnLst>
+              </p:cTn>
+              <p:prevCondLst>
+                <p:cond evt="onPrev" delay="0">
+                  <p:tgtEl>
+                    <p:sldTgt/>
+                  </p:tgtEl>
+                </p:cond>
+              </p:prevCondLst>
+              <p:nextCondLst>
+                <p:cond evt="onNext" delay="0">
+                  <p:tgtEl>
+                    <p:sldTgt/>
+                  </p:tgtEl>
+                </p:cond>
+              </p:nextCondLst>
+            </p:seq>
+          </p:childTnLst>
+        </p:cTn>
+      </p:par>
+    </p:tnLst>
+    <p:bldLst>
+      <p:bldP spid="7" grpId="0"/>
+    </p:bldLst>
+  </p:timing>
+</p:sld>
+</file>
+
 <file path=ppt/slides/slide2.xml><?xml version="1.0" encoding="utf-8"?>
 <p:sld xmlns:a="http://schemas.openxmlformats.org/drawingml/2006/main" xmlns:r="http://schemas.openxmlformats.org/officeDocument/2006/relationships" xmlns:p="http://schemas.openxmlformats.org/presentationml/2006/main">
   <p:cSld>

--- a/Saged - Powerpoint design files/SAGED_io.pptx
+++ b/Saged - Powerpoint design files/SAGED_io.pptx
@@ -17,9 +17,8 @@
     <p:sldId id="261" r:id="rId11"/>
     <p:sldId id="268" r:id="rId12"/>
     <p:sldId id="269" r:id="rId13"/>
-    <p:sldId id="271" r:id="rId14"/>
-    <p:sldId id="272" r:id="rId15"/>
-    <p:sldId id="273" r:id="rId16"/>
+    <p:sldId id="272" r:id="rId14"/>
+    <p:sldId id="273" r:id="rId15"/>
   </p:sldIdLst>
   <p:sldSz cx="12192000" cy="6858000"/>
   <p:notesSz cx="6858000" cy="9144000"/>
@@ -273,7 +272,7 @@
           <a:p>
             <a:fld id="{F7102221-9EFC-8943-BC21-F37869B56E27}" type="datetimeFigureOut">
               <a:rPr lang="en-US" smtClean="0"/>
-              <a:t>12/9/19</a:t>
+              <a:t>12/24/19</a:t>
             </a:fld>
             <a:endParaRPr lang="en-US" dirty="0"/>
           </a:p>
@@ -471,7 +470,7 @@
           <a:p>
             <a:fld id="{F7102221-9EFC-8943-BC21-F37869B56E27}" type="datetimeFigureOut">
               <a:rPr lang="en-US" smtClean="0"/>
-              <a:t>12/9/19</a:t>
+              <a:t>12/24/19</a:t>
             </a:fld>
             <a:endParaRPr lang="en-US" dirty="0"/>
           </a:p>
@@ -679,7 +678,7 @@
           <a:p>
             <a:fld id="{F7102221-9EFC-8943-BC21-F37869B56E27}" type="datetimeFigureOut">
               <a:rPr lang="en-US" smtClean="0"/>
-              <a:t>12/9/19</a:t>
+              <a:t>12/24/19</a:t>
             </a:fld>
             <a:endParaRPr lang="en-US" dirty="0"/>
           </a:p>
@@ -877,7 +876,7 @@
           <a:p>
             <a:fld id="{F7102221-9EFC-8943-BC21-F37869B56E27}" type="datetimeFigureOut">
               <a:rPr lang="en-US" smtClean="0"/>
-              <a:t>12/9/19</a:t>
+              <a:t>12/24/19</a:t>
             </a:fld>
             <a:endParaRPr lang="en-US" dirty="0"/>
           </a:p>
@@ -1152,7 +1151,7 @@
           <a:p>
             <a:fld id="{F7102221-9EFC-8943-BC21-F37869B56E27}" type="datetimeFigureOut">
               <a:rPr lang="en-US" smtClean="0"/>
-              <a:t>12/9/19</a:t>
+              <a:t>12/24/19</a:t>
             </a:fld>
             <a:endParaRPr lang="en-US" dirty="0"/>
           </a:p>
@@ -1417,7 +1416,7 @@
           <a:p>
             <a:fld id="{F7102221-9EFC-8943-BC21-F37869B56E27}" type="datetimeFigureOut">
               <a:rPr lang="en-US" smtClean="0"/>
-              <a:t>12/9/19</a:t>
+              <a:t>12/24/19</a:t>
             </a:fld>
             <a:endParaRPr lang="en-US" dirty="0"/>
           </a:p>
@@ -1829,7 +1828,7 @@
           <a:p>
             <a:fld id="{F7102221-9EFC-8943-BC21-F37869B56E27}" type="datetimeFigureOut">
               <a:rPr lang="en-US" smtClean="0"/>
-              <a:t>12/9/19</a:t>
+              <a:t>12/24/19</a:t>
             </a:fld>
             <a:endParaRPr lang="en-US" dirty="0"/>
           </a:p>
@@ -1970,7 +1969,7 @@
           <a:p>
             <a:fld id="{F7102221-9EFC-8943-BC21-F37869B56E27}" type="datetimeFigureOut">
               <a:rPr lang="en-US" smtClean="0"/>
-              <a:t>12/9/19</a:t>
+              <a:t>12/24/19</a:t>
             </a:fld>
             <a:endParaRPr lang="en-US" dirty="0"/>
           </a:p>
@@ -2083,7 +2082,7 @@
           <a:p>
             <a:fld id="{F7102221-9EFC-8943-BC21-F37869B56E27}" type="datetimeFigureOut">
               <a:rPr lang="en-US" smtClean="0"/>
-              <a:t>12/9/19</a:t>
+              <a:t>12/24/19</a:t>
             </a:fld>
             <a:endParaRPr lang="en-US" dirty="0"/>
           </a:p>
@@ -2394,7 +2393,7 @@
           <a:p>
             <a:fld id="{F7102221-9EFC-8943-BC21-F37869B56E27}" type="datetimeFigureOut">
               <a:rPr lang="en-US" smtClean="0"/>
-              <a:t>12/9/19</a:t>
+              <a:t>12/24/19</a:t>
             </a:fld>
             <a:endParaRPr lang="en-US" dirty="0"/>
           </a:p>
@@ -2682,7 +2681,7 @@
           <a:p>
             <a:fld id="{F7102221-9EFC-8943-BC21-F37869B56E27}" type="datetimeFigureOut">
               <a:rPr lang="en-US" smtClean="0"/>
-              <a:t>12/9/19</a:t>
+              <a:t>12/24/19</a:t>
             </a:fld>
             <a:endParaRPr lang="en-US" dirty="0"/>
           </a:p>
@@ -2923,7 +2922,7 @@
           <a:p>
             <a:fld id="{F7102221-9EFC-8943-BC21-F37869B56E27}" type="datetimeFigureOut">
               <a:rPr lang="en-US" smtClean="0"/>
-              <a:t>12/9/19</a:t>
+              <a:t>12/24/19</a:t>
             </a:fld>
             <a:endParaRPr lang="en-US" dirty="0"/>
           </a:p>
@@ -4451,29 +4450,26 @@
                 </a:ln>
                 <a:gradFill>
                   <a:gsLst>
-                    <a:gs pos="73000">
-                      <a:srgbClr val="2C0000"/>
-                    </a:gs>
-                    <a:gs pos="56000">
+                    <a:gs pos="80000">
+                      <a:srgbClr val="852C00"/>
+                    </a:gs>
+                    <a:gs pos="71000">
+                      <a:srgbClr val="4D0000"/>
+                    </a:gs>
+                    <a:gs pos="52000">
                       <a:schemeClr val="tx1"/>
                     </a:gs>
                     <a:gs pos="90000">
                       <a:srgbClr val="FF7B00">
                         <a:lumMod val="80000"/>
-                        <a:alpha val="20000"/>
+                        <a:alpha val="42000"/>
                       </a:srgbClr>
                     </a:gs>
-                    <a:gs pos="80000">
-                      <a:srgbClr val="FF0000">
-                        <a:lumMod val="40000"/>
-                        <a:alpha val="20000"/>
-                      </a:srgbClr>
-                    </a:gs>
-                    <a:gs pos="100000">
+                    <a:gs pos="99000">
                       <a:srgbClr val="FFFF00">
                         <a:lumMod val="86000"/>
                         <a:lumOff val="14000"/>
-                        <a:alpha val="20000"/>
+                        <a:alpha val="62000"/>
                       </a:srgbClr>
                     </a:gs>
                   </a:gsLst>
@@ -4592,7 +4588,7 @@
     </p:spTree>
     <p:extLst>
       <p:ext uri="{BB962C8B-B14F-4D97-AF65-F5344CB8AC3E}">
-        <p14:creationId xmlns:p14="http://schemas.microsoft.com/office/powerpoint/2010/main" val="3536989613"/>
+        <p14:creationId xmlns:p14="http://schemas.microsoft.com/office/powerpoint/2010/main" val="651601594"/>
       </p:ext>
     </p:extLst>
   </p:cSld>
@@ -4948,365 +4944,6 @@
           </a:p>
         </p:txBody>
       </p:sp>
-    </p:spTree>
-    <p:extLst>
-      <p:ext uri="{BB962C8B-B14F-4D97-AF65-F5344CB8AC3E}">
-        <p14:creationId xmlns:p14="http://schemas.microsoft.com/office/powerpoint/2010/main" val="651601594"/>
-      </p:ext>
-    </p:extLst>
-  </p:cSld>
-  <p:clrMapOvr>
-    <a:masterClrMapping/>
-  </p:clrMapOvr>
-  <p:timing>
-    <p:tnLst>
-      <p:par>
-        <p:cTn id="1" dur="indefinite" restart="never" nodeType="tmRoot">
-          <p:childTnLst>
-            <p:seq concurrent="1" nextAc="seek">
-              <p:cTn id="2" dur="indefinite" nodeType="mainSeq">
-                <p:childTnLst>
-                  <p:par>
-                    <p:cTn id="3" fill="hold">
-                      <p:stCondLst>
-                        <p:cond delay="indefinite"/>
-                      </p:stCondLst>
-                      <p:childTnLst>
-                        <p:par>
-                          <p:cTn id="4" fill="hold">
-                            <p:stCondLst>
-                              <p:cond delay="0"/>
-                            </p:stCondLst>
-                            <p:childTnLst>
-                              <p:par>
-                                <p:cTn id="5" presetID="42" presetClass="path" presetSubtype="0" accel="50000" decel="50000" fill="hold" grpId="0" nodeType="clickEffect">
-                                  <p:stCondLst>
-                                    <p:cond delay="0"/>
-                                  </p:stCondLst>
-                                  <p:childTnLst>
-                                    <p:animMotion origin="layout" path="M -0.00039 -0.0007 L 0.02552 0.00069 " pathEditMode="relative" rAng="0" ptsTypes="AA">
-                                      <p:cBhvr>
-                                        <p:cTn id="6" dur="10000" fill="hold"/>
-                                        <p:tgtEl>
-                                          <p:spTgt spid="7"/>
-                                        </p:tgtEl>
-                                        <p:attrNameLst>
-                                          <p:attrName>ppt_x</p:attrName>
-                                          <p:attrName>ppt_y</p:attrName>
-                                        </p:attrNameLst>
-                                      </p:cBhvr>
-                                      <p:rCtr x="1289" y="69"/>
-                                    </p:animMotion>
-                                  </p:childTnLst>
-                                </p:cTn>
-                              </p:par>
-                            </p:childTnLst>
-                          </p:cTn>
-                        </p:par>
-                      </p:childTnLst>
-                    </p:cTn>
-                  </p:par>
-                </p:childTnLst>
-              </p:cTn>
-              <p:prevCondLst>
-                <p:cond evt="onPrev" delay="0">
-                  <p:tgtEl>
-                    <p:sldTgt/>
-                  </p:tgtEl>
-                </p:cond>
-              </p:prevCondLst>
-              <p:nextCondLst>
-                <p:cond evt="onNext" delay="0">
-                  <p:tgtEl>
-                    <p:sldTgt/>
-                  </p:tgtEl>
-                </p:cond>
-              </p:nextCondLst>
-            </p:seq>
-          </p:childTnLst>
-        </p:cTn>
-      </p:par>
-    </p:tnLst>
-    <p:bldLst>
-      <p:bldP spid="7" grpId="0"/>
-    </p:bldLst>
-  </p:timing>
-</p:sld>
-</file>
-
-<file path=ppt/slides/slide15.xml><?xml version="1.0" encoding="utf-8"?>
-<p:sld xmlns:a="http://schemas.openxmlformats.org/drawingml/2006/main" xmlns:r="http://schemas.openxmlformats.org/officeDocument/2006/relationships" xmlns:p="http://schemas.openxmlformats.org/presentationml/2006/main">
-  <p:cSld>
-    <p:bg>
-      <p:bgPr>
-        <a:solidFill>
-          <a:schemeClr val="tx1"/>
-        </a:solidFill>
-        <a:effectLst/>
-      </p:bgPr>
-    </p:bg>
-    <p:spTree>
-      <p:nvGrpSpPr>
-        <p:cNvPr id="1" name=""/>
-        <p:cNvGrpSpPr/>
-        <p:nvPr/>
-      </p:nvGrpSpPr>
-      <p:grpSpPr>
-        <a:xfrm>
-          <a:off x="0" y="0"/>
-          <a:ext cx="0" cy="0"/>
-          <a:chOff x="0" y="0"/>
-          <a:chExt cx="0" cy="0"/>
-        </a:xfrm>
-      </p:grpSpPr>
-      <p:sp>
-        <p:nvSpPr>
-          <p:cNvPr id="6" name="TextBox 5">
-            <a:extLst>
-              <a:ext uri="{FF2B5EF4-FFF2-40B4-BE49-F238E27FC236}">
-                <a16:creationId xmlns:a16="http://schemas.microsoft.com/office/drawing/2014/main" id="{EE4BFAFB-F296-9942-B015-EC3D7BAEF7AF}"/>
-              </a:ext>
-            </a:extLst>
-          </p:cNvPr>
-          <p:cNvSpPr txBox="1"/>
-          <p:nvPr/>
-        </p:nvSpPr>
-        <p:spPr>
-          <a:xfrm>
-            <a:off x="3159034" y="2133355"/>
-            <a:ext cx="5630067" cy="2400657"/>
-          </a:xfrm>
-          <a:prstGeom prst="rect">
-            <a:avLst/>
-          </a:prstGeom>
-          <a:noFill/>
-        </p:spPr>
-        <p:txBody>
-          <a:bodyPr wrap="none" rtlCol="0">
-            <a:spAutoFit/>
-            <a:scene3d>
-              <a:camera prst="orthographicFront"/>
-              <a:lightRig rig="threePt" dir="t"/>
-            </a:scene3d>
-            <a:sp3d extrusionH="57150">
-              <a:bevelT w="38100" h="38100" prst="angle"/>
-            </a:sp3d>
-          </a:bodyPr>
-          <a:lstStyle/>
-          <a:p>
-            <a:r>
-              <a:rPr lang="en-US" sz="15000" i="1" dirty="0">
-                <a:ln w="38100">
-                  <a:solidFill>
-                    <a:srgbClr val="FF0000">
-                      <a:alpha val="41000"/>
-                    </a:srgbClr>
-                  </a:solidFill>
-                </a:ln>
-                <a:noFill/>
-                <a:effectLst/>
-                <a:latin typeface="Bauhaus 93" pitchFamily="82" charset="77"/>
-              </a:rPr>
-              <a:t>SAGED</a:t>
-            </a:r>
-          </a:p>
-        </p:txBody>
-      </p:sp>
-      <p:sp>
-        <p:nvSpPr>
-          <p:cNvPr id="4" name="TextBox 3">
-            <a:extLst>
-              <a:ext uri="{FF2B5EF4-FFF2-40B4-BE49-F238E27FC236}">
-                <a16:creationId xmlns:a16="http://schemas.microsoft.com/office/drawing/2014/main" id="{ADFE2AF9-97FC-CD49-8154-480F1F42F0BA}"/>
-              </a:ext>
-            </a:extLst>
-          </p:cNvPr>
-          <p:cNvSpPr txBox="1"/>
-          <p:nvPr/>
-        </p:nvSpPr>
-        <p:spPr>
-          <a:xfrm>
-            <a:off x="3254050" y="2057263"/>
-            <a:ext cx="5630067" cy="2400657"/>
-          </a:xfrm>
-          <a:prstGeom prst="rect">
-            <a:avLst/>
-          </a:prstGeom>
-          <a:noFill/>
-        </p:spPr>
-        <p:txBody>
-          <a:bodyPr wrap="none" rtlCol="0">
-            <a:spAutoFit/>
-            <a:scene3d>
-              <a:camera prst="orthographicFront"/>
-              <a:lightRig rig="threePt" dir="t"/>
-            </a:scene3d>
-            <a:sp3d extrusionH="57150">
-              <a:bevelT w="38100" h="38100" prst="angle"/>
-            </a:sp3d>
-          </a:bodyPr>
-          <a:lstStyle/>
-          <a:p>
-            <a:r>
-              <a:rPr lang="en-US" sz="15000" i="1" dirty="0">
-                <a:ln w="25400">
-                  <a:gradFill>
-                    <a:gsLst>
-                      <a:gs pos="47000">
-                        <a:srgbClr val="C20000">
-                          <a:alpha val="48000"/>
-                        </a:srgbClr>
-                      </a:gs>
-                      <a:gs pos="1000">
-                        <a:srgbClr val="FF0000">
-                          <a:lumMod val="75000"/>
-                          <a:alpha val="81000"/>
-                        </a:srgbClr>
-                      </a:gs>
-                      <a:gs pos="76000">
-                        <a:schemeClr val="tx1"/>
-                      </a:gs>
-                    </a:gsLst>
-                    <a:lin ang="5400000" scaled="1"/>
-                  </a:gradFill>
-                </a:ln>
-                <a:gradFill>
-                  <a:gsLst>
-                    <a:gs pos="80000">
-                      <a:srgbClr val="852C00"/>
-                    </a:gs>
-                    <a:gs pos="71000">
-                      <a:srgbClr val="4D0000"/>
-                    </a:gs>
-                    <a:gs pos="52000">
-                      <a:schemeClr val="tx1"/>
-                    </a:gs>
-                    <a:gs pos="90000">
-                      <a:srgbClr val="FF7B00">
-                        <a:lumMod val="80000"/>
-                        <a:alpha val="42000"/>
-                      </a:srgbClr>
-                    </a:gs>
-                    <a:gs pos="99000">
-                      <a:srgbClr val="FFFF00">
-                        <a:lumMod val="86000"/>
-                        <a:lumOff val="14000"/>
-                        <a:alpha val="62000"/>
-                      </a:srgbClr>
-                    </a:gs>
-                  </a:gsLst>
-                  <a:lin ang="5400000" scaled="1"/>
-                </a:gradFill>
-                <a:effectLst/>
-                <a:latin typeface="Bauhaus 93" pitchFamily="82" charset="77"/>
-              </a:rPr>
-              <a:t>SAGED</a:t>
-            </a:r>
-          </a:p>
-        </p:txBody>
-      </p:sp>
-      <p:sp>
-        <p:nvSpPr>
-          <p:cNvPr id="7" name="TextBox 6">
-            <a:extLst>
-              <a:ext uri="{FF2B5EF4-FFF2-40B4-BE49-F238E27FC236}">
-                <a16:creationId xmlns:a16="http://schemas.microsoft.com/office/drawing/2014/main" id="{B269976D-3A11-2A41-AA4C-D260D3284568}"/>
-              </a:ext>
-            </a:extLst>
-          </p:cNvPr>
-          <p:cNvSpPr txBox="1"/>
-          <p:nvPr/>
-        </p:nvSpPr>
-        <p:spPr>
-          <a:xfrm>
-            <a:off x="3292581" y="1979931"/>
-            <a:ext cx="5816016" cy="2477601"/>
-          </a:xfrm>
-          <a:prstGeom prst="rect">
-            <a:avLst/>
-          </a:prstGeom>
-          <a:noFill/>
-        </p:spPr>
-        <p:txBody>
-          <a:bodyPr wrap="none" rtlCol="0">
-            <a:spAutoFit/>
-          </a:bodyPr>
-          <a:lstStyle/>
-          <a:p>
-            <a:r>
-              <a:rPr lang="en-US" sz="15300" i="1" dirty="0">
-                <a:ln w="50800" cap="flat" cmpd="dbl">
-                  <a:gradFill>
-                    <a:gsLst>
-                      <a:gs pos="60000">
-                        <a:srgbClr val="FA9396">
-                          <a:alpha val="40000"/>
-                        </a:srgbClr>
-                      </a:gs>
-                      <a:gs pos="42000">
-                        <a:schemeClr val="accent1">
-                          <a:lumMod val="5000"/>
-                          <a:lumOff val="95000"/>
-                          <a:alpha val="0"/>
-                        </a:schemeClr>
-                      </a:gs>
-                      <a:gs pos="50000">
-                        <a:schemeClr val="accent1">
-                          <a:lumMod val="5000"/>
-                          <a:lumOff val="95000"/>
-                          <a:alpha val="7000"/>
-                        </a:schemeClr>
-                      </a:gs>
-                      <a:gs pos="74000">
-                        <a:srgbClr val="FDCB48">
-                          <a:alpha val="32000"/>
-                        </a:srgbClr>
-                      </a:gs>
-                      <a:gs pos="84000">
-                        <a:srgbClr val="E2E20D"/>
-                      </a:gs>
-                    </a:gsLst>
-                    <a:lin ang="5400000" scaled="1"/>
-                  </a:gradFill>
-                  <a:miter lim="800000"/>
-                </a:ln>
-                <a:gradFill>
-                  <a:gsLst>
-                    <a:gs pos="50000">
-                      <a:schemeClr val="tx1">
-                        <a:alpha val="0"/>
-                      </a:schemeClr>
-                    </a:gs>
-                    <a:gs pos="74000">
-                      <a:srgbClr val="FF7305">
-                        <a:alpha val="30000"/>
-                      </a:srgbClr>
-                    </a:gs>
-                    <a:gs pos="59000">
-                      <a:srgbClr val="FF8500">
-                        <a:alpha val="8000"/>
-                      </a:srgbClr>
-                    </a:gs>
-                    <a:gs pos="86000">
-                      <a:srgbClr val="FF4F0F"/>
-                    </a:gs>
-                  </a:gsLst>
-                  <a:lin ang="5400000" scaled="1"/>
-                </a:gradFill>
-                <a:effectLst>
-                  <a:glow rad="1181100">
-                    <a:srgbClr val="F51610">
-                      <a:alpha val="2000"/>
-                    </a:srgbClr>
-                  </a:glow>
-                </a:effectLst>
-                <a:latin typeface="Bauhaus 93" pitchFamily="82" charset="77"/>
-              </a:rPr>
-              <a:t>SAGED</a:t>
-            </a:r>
-          </a:p>
-        </p:txBody>
-      </p:sp>
       <p:sp>
         <p:nvSpPr>
           <p:cNvPr id="2" name="TextBox 1">
@@ -5348,6 +4985,57 @@
                 <a:cs typeface="Roboto" panose="02000000000000000000" pitchFamily="2" charset="0"/>
               </a:rPr>
               <a:t>OFFICIAL WEBSITE OF AYUSH BHOWMICK</a:t>
+            </a:r>
+          </a:p>
+        </p:txBody>
+      </p:sp>
+      <p:sp>
+        <p:nvSpPr>
+          <p:cNvPr id="8" name="TextBox 7">
+            <a:extLst>
+              <a:ext uri="{FF2B5EF4-FFF2-40B4-BE49-F238E27FC236}">
+                <a16:creationId xmlns:a16="http://schemas.microsoft.com/office/drawing/2014/main" id="{3FE3A5C5-C00E-674A-9B10-CCC5329B7F39}"/>
+              </a:ext>
+            </a:extLst>
+          </p:cNvPr>
+          <p:cNvSpPr txBox="1"/>
+          <p:nvPr/>
+        </p:nvSpPr>
+        <p:spPr>
+          <a:xfrm>
+            <a:off x="1633473" y="4610104"/>
+            <a:ext cx="9134232" cy="307777"/>
+          </a:xfrm>
+          <a:prstGeom prst="rect">
+            <a:avLst/>
+          </a:prstGeom>
+          <a:noFill/>
+        </p:spPr>
+        <p:txBody>
+          <a:bodyPr wrap="none" rtlCol="0">
+            <a:spAutoFit/>
+          </a:bodyPr>
+          <a:lstStyle/>
+          <a:p>
+            <a:r>
+              <a:rPr lang="en-US" sz="1400" b="1" dirty="0">
+                <a:ln>
+                  <a:solidFill>
+                    <a:srgbClr val="FF0000">
+                      <a:alpha val="8000"/>
+                    </a:srgbClr>
+                  </a:solidFill>
+                </a:ln>
+                <a:solidFill>
+                  <a:srgbClr val="FF0000">
+                    <a:alpha val="38000"/>
+                  </a:srgbClr>
+                </a:solidFill>
+                <a:latin typeface="Roboto" panose="02000000000000000000" pitchFamily="2" charset="0"/>
+                <a:ea typeface="Roboto" panose="02000000000000000000" pitchFamily="2" charset="0"/>
+                <a:cs typeface="Roboto" panose="02000000000000000000" pitchFamily="2" charset="0"/>
+              </a:rPr>
+              <a:t>CURRENTLY SITE IS BEING UPDATED TO SERVER-SIDE RENDERING AND WILL BE AVAILABLE FROM JANUARY</a:t>
             </a:r>
           </a:p>
         </p:txBody>
@@ -6832,7 +6520,7 @@
         </p:nvSpPr>
         <p:spPr>
           <a:xfrm>
-            <a:off x="3526896" y="2179859"/>
+            <a:off x="3555822" y="2175157"/>
             <a:ext cx="6167716" cy="2246769"/>
           </a:xfrm>
           <a:prstGeom prst="rect">
@@ -6847,7 +6535,7 @@
           <a:lstStyle/>
           <a:p>
             <a:r>
-              <a:rPr lang="en-US" sz="14000" i="1" dirty="0">
+              <a:rPr lang="en-US" sz="14100" i="1" spc="-150" dirty="0">
                 <a:gradFill flip="none" rotWithShape="1">
                   <a:gsLst>
                     <a:gs pos="3000">
@@ -6910,15 +6598,15 @@
                           <a:alpha val="0"/>
                         </a:schemeClr>
                       </a:gs>
-                      <a:gs pos="44000">
+                      <a:gs pos="46000">
                         <a:srgbClr val="CFC7F3">
                           <a:alpha val="10000"/>
                         </a:srgbClr>
                       </a:gs>
-                      <a:gs pos="57000">
+                      <a:gs pos="59000">
                         <a:srgbClr val="BCAEEE">
                           <a:lumMod val="100000"/>
-                          <a:alpha val="38000"/>
+                          <a:alpha val="44000"/>
                         </a:srgbClr>
                       </a:gs>
                       <a:gs pos="100000">
@@ -7011,14 +6699,14 @@
                 </a:ln>
                 <a:gradFill>
                   <a:gsLst>
-                    <a:gs pos="67000">
+                    <a:gs pos="63000">
                       <a:srgbClr val="2C0000">
                         <a:alpha val="28000"/>
                       </a:srgbClr>
                     </a:gs>
                     <a:gs pos="80000">
                       <a:srgbClr val="FF0000">
-                        <a:alpha val="51000"/>
+                        <a:alpha val="38000"/>
                       </a:srgbClr>
                     </a:gs>
                     <a:gs pos="48000">
